--- a/WebContent/jhk/document/프로젝트5_jhk.pptx
+++ b/WebContent/jhk/document/프로젝트5_jhk.pptx
@@ -135,7 +135,7 @@
   </p:defaultTextStyle>
   <p:extLst>
     <p:ext uri="{EFAFB233-063F-42B5-8137-9DF3F51BA10A}">
-      <p15:sldGuideLst xmlns:p15="http://schemas.microsoft.com/office/powerpoint/2012/main" xmlns=""/>
+      <p15:sldGuideLst xmlns="" xmlns:p15="http://schemas.microsoft.com/office/powerpoint/2012/main"/>
     </p:ext>
   </p:extLst>
 </p:presentation>
@@ -7005,7 +7005,7 @@
           <p:cNvPr id="22" name="그림 21">
             <a:extLst>
               <a:ext uri="{FF2B5EF4-FFF2-40B4-BE49-F238E27FC236}">
-                <a16:creationId xmlns="" xmlns:a16="http://schemas.microsoft.com/office/drawing/2014/main" id="{928BE64D-A24F-42CB-B298-FBF49719BA30}"/>
+                <a16:creationId xmlns:a16="http://schemas.microsoft.com/office/drawing/2014/main" xmlns="" id="{928BE64D-A24F-42CB-B298-FBF49719BA30}"/>
               </a:ext>
             </a:extLst>
           </p:cNvPr>
@@ -10656,11 +10656,7 @@
             <a:pPr algn="r"/>
             <a:r>
               <a:rPr lang="ko-KR" altLang="en-US" sz="800" smtClean="0"/>
-              <a:t>로그인  </a:t>
-            </a:r>
-            <a:r>
-              <a:rPr lang="ko-KR" altLang="en-US" sz="800" smtClean="0"/>
-              <a:t>고객센터</a:t>
+              <a:t>로그인  고객센터</a:t>
             </a:r>
             <a:endParaRPr lang="ko-KR" altLang="en-US" sz="800" dirty="0"/>
           </a:p>
@@ -14948,6 +14944,429 @@
           </a:p>
         </p:txBody>
       </p:sp>
+      <p:sp>
+        <p:nvSpPr>
+          <p:cNvPr id="44" name="TextBox 43"/>
+          <p:cNvSpPr txBox="1"/>
+          <p:nvPr/>
+        </p:nvSpPr>
+        <p:spPr>
+          <a:xfrm>
+            <a:off x="8670594" y="1738640"/>
+            <a:ext cx="473406" cy="246221"/>
+          </a:xfrm>
+          <a:prstGeom prst="rect">
+            <a:avLst/>
+          </a:prstGeom>
+          <a:noFill/>
+        </p:spPr>
+        <p:txBody>
+          <a:bodyPr wrap="square" rtlCol="0">
+            <a:spAutoFit/>
+          </a:bodyPr>
+          <a:lstStyle/>
+          <a:p>
+            <a:r>
+              <a:rPr lang="ko-KR" altLang="en-US" sz="1000" dirty="0"/>
+              <a:t>로고</a:t>
+            </a:r>
+          </a:p>
+        </p:txBody>
+      </p:sp>
+      <p:sp>
+        <p:nvSpPr>
+          <p:cNvPr id="52" name="TextBox 51"/>
+          <p:cNvSpPr txBox="1"/>
+          <p:nvPr/>
+        </p:nvSpPr>
+        <p:spPr>
+          <a:xfrm>
+            <a:off x="9211830" y="1738640"/>
+            <a:ext cx="2115470" cy="246221"/>
+          </a:xfrm>
+          <a:prstGeom prst="rect">
+            <a:avLst/>
+          </a:prstGeom>
+          <a:noFill/>
+        </p:spPr>
+        <p:txBody>
+          <a:bodyPr wrap="square" rtlCol="0">
+            <a:spAutoFit/>
+          </a:bodyPr>
+          <a:lstStyle/>
+          <a:p>
+            <a:pPr algn="r"/>
+            <a:r>
+              <a:rPr lang="ko-KR" altLang="en-US" sz="1000" dirty="0" smtClean="0"/>
+              <a:t>로그아웃 장바구니  </a:t>
+            </a:r>
+            <a:r>
+              <a:rPr lang="ko-KR" altLang="en-US" sz="1000" dirty="0" err="1" smtClean="0"/>
+              <a:t>마이페이지</a:t>
+            </a:r>
+            <a:endParaRPr lang="ko-KR" altLang="en-US" sz="1000" dirty="0"/>
+          </a:p>
+        </p:txBody>
+      </p:sp>
+      <p:cxnSp>
+        <p:nvCxnSpPr>
+          <p:cNvPr id="59" name="직선 연결선 58"/>
+          <p:cNvCxnSpPr/>
+          <p:nvPr/>
+        </p:nvCxnSpPr>
+        <p:spPr>
+          <a:xfrm>
+            <a:off x="8602764" y="1984861"/>
+            <a:ext cx="2811968" cy="0"/>
+          </a:xfrm>
+          <a:prstGeom prst="line">
+            <a:avLst/>
+          </a:prstGeom>
+          <a:ln>
+            <a:solidFill>
+              <a:schemeClr val="tx1"/>
+            </a:solidFill>
+          </a:ln>
+        </p:spPr>
+        <p:style>
+          <a:lnRef idx="1">
+            <a:schemeClr val="accent1"/>
+          </a:lnRef>
+          <a:fillRef idx="0">
+            <a:schemeClr val="accent1"/>
+          </a:fillRef>
+          <a:effectRef idx="0">
+            <a:schemeClr val="accent1"/>
+          </a:effectRef>
+          <a:fontRef idx="minor">
+            <a:schemeClr val="tx1"/>
+          </a:fontRef>
+        </p:style>
+      </p:cxnSp>
+      <p:sp>
+        <p:nvSpPr>
+          <p:cNvPr id="60" name="직사각형 59"/>
+          <p:cNvSpPr/>
+          <p:nvPr/>
+        </p:nvSpPr>
+        <p:spPr>
+          <a:xfrm>
+            <a:off x="8602764" y="5708822"/>
+            <a:ext cx="2811968" cy="378940"/>
+          </a:xfrm>
+          <a:prstGeom prst="rect">
+            <a:avLst/>
+          </a:prstGeom>
+          <a:solidFill>
+            <a:schemeClr val="bg1"/>
+          </a:solidFill>
+          <a:ln>
+            <a:solidFill>
+              <a:schemeClr val="tx1"/>
+            </a:solidFill>
+          </a:ln>
+        </p:spPr>
+        <p:style>
+          <a:lnRef idx="2">
+            <a:schemeClr val="accent1">
+              <a:shade val="50000"/>
+            </a:schemeClr>
+          </a:lnRef>
+          <a:fillRef idx="1">
+            <a:schemeClr val="accent1"/>
+          </a:fillRef>
+          <a:effectRef idx="0">
+            <a:schemeClr val="accent1"/>
+          </a:effectRef>
+          <a:fontRef idx="minor">
+            <a:schemeClr val="lt1"/>
+          </a:fontRef>
+        </p:style>
+        <p:txBody>
+          <a:bodyPr rtlCol="0" anchor="ctr"/>
+          <a:lstStyle/>
+          <a:p>
+            <a:pPr algn="ctr"/>
+            <a:endParaRPr lang="ko-KR" altLang="en-US"/>
+          </a:p>
+        </p:txBody>
+      </p:sp>
+      <p:sp>
+        <p:nvSpPr>
+          <p:cNvPr id="61" name="직사각형 60"/>
+          <p:cNvSpPr/>
+          <p:nvPr/>
+        </p:nvSpPr>
+        <p:spPr>
+          <a:xfrm>
+            <a:off x="8602764" y="5708822"/>
+            <a:ext cx="2811968" cy="378940"/>
+          </a:xfrm>
+          <a:prstGeom prst="rect">
+            <a:avLst/>
+          </a:prstGeom>
+          <a:solidFill>
+            <a:schemeClr val="bg1"/>
+          </a:solidFill>
+          <a:ln>
+            <a:solidFill>
+              <a:schemeClr val="tx1"/>
+            </a:solidFill>
+          </a:ln>
+        </p:spPr>
+        <p:style>
+          <a:lnRef idx="2">
+            <a:schemeClr val="accent1">
+              <a:shade val="50000"/>
+            </a:schemeClr>
+          </a:lnRef>
+          <a:fillRef idx="1">
+            <a:schemeClr val="accent1"/>
+          </a:fillRef>
+          <a:effectRef idx="0">
+            <a:schemeClr val="accent1"/>
+          </a:effectRef>
+          <a:fontRef idx="minor">
+            <a:schemeClr val="lt1"/>
+          </a:fontRef>
+        </p:style>
+        <p:txBody>
+          <a:bodyPr rtlCol="0" anchor="ctr"/>
+          <a:lstStyle/>
+          <a:p>
+            <a:pPr algn="ctr"/>
+            <a:endParaRPr lang="ko-KR" altLang="en-US"/>
+          </a:p>
+        </p:txBody>
+      </p:sp>
+      <p:sp>
+        <p:nvSpPr>
+          <p:cNvPr id="62" name="직사각형 61"/>
+          <p:cNvSpPr/>
+          <p:nvPr/>
+        </p:nvSpPr>
+        <p:spPr>
+          <a:xfrm>
+            <a:off x="8602764" y="5708822"/>
+            <a:ext cx="2811968" cy="378940"/>
+          </a:xfrm>
+          <a:prstGeom prst="rect">
+            <a:avLst/>
+          </a:prstGeom>
+          <a:solidFill>
+            <a:schemeClr val="bg1"/>
+          </a:solidFill>
+          <a:ln>
+            <a:solidFill>
+              <a:schemeClr val="tx1"/>
+            </a:solidFill>
+          </a:ln>
+        </p:spPr>
+        <p:style>
+          <a:lnRef idx="2">
+            <a:schemeClr val="accent1">
+              <a:shade val="50000"/>
+            </a:schemeClr>
+          </a:lnRef>
+          <a:fillRef idx="1">
+            <a:schemeClr val="accent1"/>
+          </a:fillRef>
+          <a:effectRef idx="0">
+            <a:schemeClr val="accent1"/>
+          </a:effectRef>
+          <a:fontRef idx="minor">
+            <a:schemeClr val="lt1"/>
+          </a:fontRef>
+        </p:style>
+        <p:txBody>
+          <a:bodyPr rtlCol="0" anchor="ctr"/>
+          <a:lstStyle/>
+          <a:p>
+            <a:pPr algn="ctr"/>
+            <a:endParaRPr lang="ko-KR" altLang="en-US"/>
+          </a:p>
+        </p:txBody>
+      </p:sp>
+      <p:sp>
+        <p:nvSpPr>
+          <p:cNvPr id="63" name="TextBox 62"/>
+          <p:cNvSpPr txBox="1"/>
+          <p:nvPr/>
+        </p:nvSpPr>
+        <p:spPr>
+          <a:xfrm>
+            <a:off x="8649280" y="5790570"/>
+            <a:ext cx="520388" cy="215444"/>
+          </a:xfrm>
+          <a:prstGeom prst="rect">
+            <a:avLst/>
+          </a:prstGeom>
+          <a:noFill/>
+        </p:spPr>
+        <p:txBody>
+          <a:bodyPr wrap="square" rtlCol="0">
+            <a:spAutoFit/>
+          </a:bodyPr>
+          <a:lstStyle/>
+          <a:p>
+            <a:r>
+              <a:rPr lang="ko-KR" altLang="en-US" sz="800" dirty="0" err="1" smtClean="0"/>
+              <a:t>조립컴</a:t>
+            </a:r>
+            <a:endParaRPr lang="ko-KR" altLang="en-US" sz="800" dirty="0"/>
+          </a:p>
+        </p:txBody>
+      </p:sp>
+      <p:sp>
+        <p:nvSpPr>
+          <p:cNvPr id="64" name="TextBox 63"/>
+          <p:cNvSpPr txBox="1"/>
+          <p:nvPr/>
+        </p:nvSpPr>
+        <p:spPr>
+          <a:xfrm>
+            <a:off x="9122955" y="5790570"/>
+            <a:ext cx="520388" cy="215444"/>
+          </a:xfrm>
+          <a:prstGeom prst="rect">
+            <a:avLst/>
+          </a:prstGeom>
+          <a:noFill/>
+        </p:spPr>
+        <p:txBody>
+          <a:bodyPr wrap="square" rtlCol="0">
+            <a:spAutoFit/>
+          </a:bodyPr>
+          <a:lstStyle/>
+          <a:p>
+            <a:r>
+              <a:rPr lang="ko-KR" altLang="en-US" sz="800" dirty="0" smtClean="0"/>
+              <a:t>부품</a:t>
+            </a:r>
+            <a:endParaRPr lang="ko-KR" altLang="en-US" sz="800" dirty="0"/>
+          </a:p>
+        </p:txBody>
+      </p:sp>
+      <p:sp>
+        <p:nvSpPr>
+          <p:cNvPr id="65" name="TextBox 64"/>
+          <p:cNvSpPr txBox="1"/>
+          <p:nvPr/>
+        </p:nvSpPr>
+        <p:spPr>
+          <a:xfrm>
+            <a:off x="9551416" y="5789188"/>
+            <a:ext cx="605226" cy="215444"/>
+          </a:xfrm>
+          <a:prstGeom prst="rect">
+            <a:avLst/>
+          </a:prstGeom>
+          <a:noFill/>
+        </p:spPr>
+        <p:txBody>
+          <a:bodyPr wrap="square" rtlCol="0">
+            <a:spAutoFit/>
+          </a:bodyPr>
+          <a:lstStyle/>
+          <a:p>
+            <a:r>
+              <a:rPr lang="ko-KR" altLang="en-US" sz="800" smtClean="0"/>
+              <a:t>견적문의</a:t>
+            </a:r>
+            <a:endParaRPr lang="ko-KR" altLang="en-US" sz="800" dirty="0"/>
+          </a:p>
+        </p:txBody>
+      </p:sp>
+      <p:sp>
+        <p:nvSpPr>
+          <p:cNvPr id="66" name="TextBox 65"/>
+          <p:cNvSpPr txBox="1"/>
+          <p:nvPr/>
+        </p:nvSpPr>
+        <p:spPr>
+          <a:xfrm>
+            <a:off x="10138156" y="5789188"/>
+            <a:ext cx="605226" cy="215444"/>
+          </a:xfrm>
+          <a:prstGeom prst="rect">
+            <a:avLst/>
+          </a:prstGeom>
+          <a:noFill/>
+        </p:spPr>
+        <p:txBody>
+          <a:bodyPr wrap="square" rtlCol="0">
+            <a:spAutoFit/>
+          </a:bodyPr>
+          <a:lstStyle/>
+          <a:p>
+            <a:r>
+              <a:rPr lang="ko-KR" altLang="en-US" sz="800" dirty="0" smtClean="0"/>
+              <a:t>견적문의</a:t>
+            </a:r>
+            <a:endParaRPr lang="ko-KR" altLang="en-US" sz="800" dirty="0"/>
+          </a:p>
+        </p:txBody>
+      </p:sp>
+      <p:sp>
+        <p:nvSpPr>
+          <p:cNvPr id="67" name="TextBox 66"/>
+          <p:cNvSpPr txBox="1"/>
+          <p:nvPr/>
+        </p:nvSpPr>
+        <p:spPr>
+          <a:xfrm>
+            <a:off x="10720578" y="5783400"/>
+            <a:ext cx="788807" cy="215444"/>
+          </a:xfrm>
+          <a:prstGeom prst="rect">
+            <a:avLst/>
+          </a:prstGeom>
+          <a:noFill/>
+        </p:spPr>
+        <p:txBody>
+          <a:bodyPr wrap="square" rtlCol="0">
+            <a:spAutoFit/>
+          </a:bodyPr>
+          <a:lstStyle/>
+          <a:p>
+            <a:r>
+              <a:rPr lang="ko-KR" altLang="en-US" sz="800" dirty="0" smtClean="0"/>
+              <a:t>고객센터</a:t>
+            </a:r>
+            <a:endParaRPr lang="ko-KR" altLang="en-US" sz="800" dirty="0"/>
+          </a:p>
+        </p:txBody>
+      </p:sp>
+      <p:sp>
+        <p:nvSpPr>
+          <p:cNvPr id="70" name="TextBox 69"/>
+          <p:cNvSpPr txBox="1"/>
+          <p:nvPr/>
+        </p:nvSpPr>
+        <p:spPr>
+          <a:xfrm>
+            <a:off x="8599852" y="2127256"/>
+            <a:ext cx="2091977" cy="369332"/>
+          </a:xfrm>
+          <a:prstGeom prst="rect">
+            <a:avLst/>
+          </a:prstGeom>
+          <a:noFill/>
+        </p:spPr>
+        <p:txBody>
+          <a:bodyPr wrap="square" rtlCol="0">
+            <a:spAutoFit/>
+          </a:bodyPr>
+          <a:lstStyle/>
+          <a:p>
+            <a:r>
+              <a:rPr lang="ko-KR" altLang="en-US" smtClean="0"/>
+              <a:t>조립컴퓨터</a:t>
+            </a:r>
+            <a:endParaRPr lang="ko-KR" altLang="en-US" dirty="0"/>
+          </a:p>
+        </p:txBody>
+      </p:sp>
     </p:spTree>
     <p:extLst>
       <p:ext uri="{BB962C8B-B14F-4D97-AF65-F5344CB8AC3E}">
@@ -16930,6 +17349,429 @@
           </a:p>
         </p:txBody>
       </p:sp>
+      <p:sp>
+        <p:nvSpPr>
+          <p:cNvPr id="36" name="TextBox 35"/>
+          <p:cNvSpPr txBox="1"/>
+          <p:nvPr/>
+        </p:nvSpPr>
+        <p:spPr>
+          <a:xfrm>
+            <a:off x="8670594" y="1738640"/>
+            <a:ext cx="473406" cy="246221"/>
+          </a:xfrm>
+          <a:prstGeom prst="rect">
+            <a:avLst/>
+          </a:prstGeom>
+          <a:noFill/>
+        </p:spPr>
+        <p:txBody>
+          <a:bodyPr wrap="square" rtlCol="0">
+            <a:spAutoFit/>
+          </a:bodyPr>
+          <a:lstStyle/>
+          <a:p>
+            <a:r>
+              <a:rPr lang="ko-KR" altLang="en-US" sz="1000" dirty="0"/>
+              <a:t>로고</a:t>
+            </a:r>
+          </a:p>
+        </p:txBody>
+      </p:sp>
+      <p:sp>
+        <p:nvSpPr>
+          <p:cNvPr id="37" name="TextBox 36"/>
+          <p:cNvSpPr txBox="1"/>
+          <p:nvPr/>
+        </p:nvSpPr>
+        <p:spPr>
+          <a:xfrm>
+            <a:off x="9211830" y="1738640"/>
+            <a:ext cx="2115470" cy="246221"/>
+          </a:xfrm>
+          <a:prstGeom prst="rect">
+            <a:avLst/>
+          </a:prstGeom>
+          <a:noFill/>
+        </p:spPr>
+        <p:txBody>
+          <a:bodyPr wrap="square" rtlCol="0">
+            <a:spAutoFit/>
+          </a:bodyPr>
+          <a:lstStyle/>
+          <a:p>
+            <a:pPr algn="r"/>
+            <a:r>
+              <a:rPr lang="ko-KR" altLang="en-US" sz="1000" dirty="0" smtClean="0"/>
+              <a:t>로그아웃 장바구니  </a:t>
+            </a:r>
+            <a:r>
+              <a:rPr lang="ko-KR" altLang="en-US" sz="1000" dirty="0" err="1" smtClean="0"/>
+              <a:t>마이페이지</a:t>
+            </a:r>
+            <a:endParaRPr lang="ko-KR" altLang="en-US" sz="1000" dirty="0"/>
+          </a:p>
+        </p:txBody>
+      </p:sp>
+      <p:cxnSp>
+        <p:nvCxnSpPr>
+          <p:cNvPr id="38" name="직선 연결선 37"/>
+          <p:cNvCxnSpPr/>
+          <p:nvPr/>
+        </p:nvCxnSpPr>
+        <p:spPr>
+          <a:xfrm>
+            <a:off x="8602764" y="1984861"/>
+            <a:ext cx="2811968" cy="0"/>
+          </a:xfrm>
+          <a:prstGeom prst="line">
+            <a:avLst/>
+          </a:prstGeom>
+          <a:ln>
+            <a:solidFill>
+              <a:schemeClr val="tx1"/>
+            </a:solidFill>
+          </a:ln>
+        </p:spPr>
+        <p:style>
+          <a:lnRef idx="1">
+            <a:schemeClr val="accent1"/>
+          </a:lnRef>
+          <a:fillRef idx="0">
+            <a:schemeClr val="accent1"/>
+          </a:fillRef>
+          <a:effectRef idx="0">
+            <a:schemeClr val="accent1"/>
+          </a:effectRef>
+          <a:fontRef idx="minor">
+            <a:schemeClr val="tx1"/>
+          </a:fontRef>
+        </p:style>
+      </p:cxnSp>
+      <p:sp>
+        <p:nvSpPr>
+          <p:cNvPr id="39" name="직사각형 38"/>
+          <p:cNvSpPr/>
+          <p:nvPr/>
+        </p:nvSpPr>
+        <p:spPr>
+          <a:xfrm>
+            <a:off x="8602764" y="5708822"/>
+            <a:ext cx="2811968" cy="378940"/>
+          </a:xfrm>
+          <a:prstGeom prst="rect">
+            <a:avLst/>
+          </a:prstGeom>
+          <a:solidFill>
+            <a:schemeClr val="bg1"/>
+          </a:solidFill>
+          <a:ln>
+            <a:solidFill>
+              <a:schemeClr val="tx1"/>
+            </a:solidFill>
+          </a:ln>
+        </p:spPr>
+        <p:style>
+          <a:lnRef idx="2">
+            <a:schemeClr val="accent1">
+              <a:shade val="50000"/>
+            </a:schemeClr>
+          </a:lnRef>
+          <a:fillRef idx="1">
+            <a:schemeClr val="accent1"/>
+          </a:fillRef>
+          <a:effectRef idx="0">
+            <a:schemeClr val="accent1"/>
+          </a:effectRef>
+          <a:fontRef idx="minor">
+            <a:schemeClr val="lt1"/>
+          </a:fontRef>
+        </p:style>
+        <p:txBody>
+          <a:bodyPr rtlCol="0" anchor="ctr"/>
+          <a:lstStyle/>
+          <a:p>
+            <a:pPr algn="ctr"/>
+            <a:endParaRPr lang="ko-KR" altLang="en-US"/>
+          </a:p>
+        </p:txBody>
+      </p:sp>
+      <p:sp>
+        <p:nvSpPr>
+          <p:cNvPr id="40" name="직사각형 39"/>
+          <p:cNvSpPr/>
+          <p:nvPr/>
+        </p:nvSpPr>
+        <p:spPr>
+          <a:xfrm>
+            <a:off x="8602764" y="5708822"/>
+            <a:ext cx="2811968" cy="378940"/>
+          </a:xfrm>
+          <a:prstGeom prst="rect">
+            <a:avLst/>
+          </a:prstGeom>
+          <a:solidFill>
+            <a:schemeClr val="bg1"/>
+          </a:solidFill>
+          <a:ln>
+            <a:solidFill>
+              <a:schemeClr val="tx1"/>
+            </a:solidFill>
+          </a:ln>
+        </p:spPr>
+        <p:style>
+          <a:lnRef idx="2">
+            <a:schemeClr val="accent1">
+              <a:shade val="50000"/>
+            </a:schemeClr>
+          </a:lnRef>
+          <a:fillRef idx="1">
+            <a:schemeClr val="accent1"/>
+          </a:fillRef>
+          <a:effectRef idx="0">
+            <a:schemeClr val="accent1"/>
+          </a:effectRef>
+          <a:fontRef idx="minor">
+            <a:schemeClr val="lt1"/>
+          </a:fontRef>
+        </p:style>
+        <p:txBody>
+          <a:bodyPr rtlCol="0" anchor="ctr"/>
+          <a:lstStyle/>
+          <a:p>
+            <a:pPr algn="ctr"/>
+            <a:endParaRPr lang="ko-KR" altLang="en-US"/>
+          </a:p>
+        </p:txBody>
+      </p:sp>
+      <p:sp>
+        <p:nvSpPr>
+          <p:cNvPr id="41" name="직사각형 40"/>
+          <p:cNvSpPr/>
+          <p:nvPr/>
+        </p:nvSpPr>
+        <p:spPr>
+          <a:xfrm>
+            <a:off x="8602764" y="5708822"/>
+            <a:ext cx="2811968" cy="378940"/>
+          </a:xfrm>
+          <a:prstGeom prst="rect">
+            <a:avLst/>
+          </a:prstGeom>
+          <a:solidFill>
+            <a:schemeClr val="bg1"/>
+          </a:solidFill>
+          <a:ln>
+            <a:solidFill>
+              <a:schemeClr val="tx1"/>
+            </a:solidFill>
+          </a:ln>
+        </p:spPr>
+        <p:style>
+          <a:lnRef idx="2">
+            <a:schemeClr val="accent1">
+              <a:shade val="50000"/>
+            </a:schemeClr>
+          </a:lnRef>
+          <a:fillRef idx="1">
+            <a:schemeClr val="accent1"/>
+          </a:fillRef>
+          <a:effectRef idx="0">
+            <a:schemeClr val="accent1"/>
+          </a:effectRef>
+          <a:fontRef idx="minor">
+            <a:schemeClr val="lt1"/>
+          </a:fontRef>
+        </p:style>
+        <p:txBody>
+          <a:bodyPr rtlCol="0" anchor="ctr"/>
+          <a:lstStyle/>
+          <a:p>
+            <a:pPr algn="ctr"/>
+            <a:endParaRPr lang="ko-KR" altLang="en-US"/>
+          </a:p>
+        </p:txBody>
+      </p:sp>
+      <p:sp>
+        <p:nvSpPr>
+          <p:cNvPr id="42" name="TextBox 41"/>
+          <p:cNvSpPr txBox="1"/>
+          <p:nvPr/>
+        </p:nvSpPr>
+        <p:spPr>
+          <a:xfrm>
+            <a:off x="8649280" y="5790570"/>
+            <a:ext cx="520388" cy="215444"/>
+          </a:xfrm>
+          <a:prstGeom prst="rect">
+            <a:avLst/>
+          </a:prstGeom>
+          <a:noFill/>
+        </p:spPr>
+        <p:txBody>
+          <a:bodyPr wrap="square" rtlCol="0">
+            <a:spAutoFit/>
+          </a:bodyPr>
+          <a:lstStyle/>
+          <a:p>
+            <a:r>
+              <a:rPr lang="ko-KR" altLang="en-US" sz="800" dirty="0" err="1" smtClean="0"/>
+              <a:t>조립컴</a:t>
+            </a:r>
+            <a:endParaRPr lang="ko-KR" altLang="en-US" sz="800" dirty="0"/>
+          </a:p>
+        </p:txBody>
+      </p:sp>
+      <p:sp>
+        <p:nvSpPr>
+          <p:cNvPr id="43" name="TextBox 42"/>
+          <p:cNvSpPr txBox="1"/>
+          <p:nvPr/>
+        </p:nvSpPr>
+        <p:spPr>
+          <a:xfrm>
+            <a:off x="9122955" y="5790570"/>
+            <a:ext cx="520388" cy="215444"/>
+          </a:xfrm>
+          <a:prstGeom prst="rect">
+            <a:avLst/>
+          </a:prstGeom>
+          <a:noFill/>
+        </p:spPr>
+        <p:txBody>
+          <a:bodyPr wrap="square" rtlCol="0">
+            <a:spAutoFit/>
+          </a:bodyPr>
+          <a:lstStyle/>
+          <a:p>
+            <a:r>
+              <a:rPr lang="ko-KR" altLang="en-US" sz="800" dirty="0" smtClean="0"/>
+              <a:t>부품</a:t>
+            </a:r>
+            <a:endParaRPr lang="ko-KR" altLang="en-US" sz="800" dirty="0"/>
+          </a:p>
+        </p:txBody>
+      </p:sp>
+      <p:sp>
+        <p:nvSpPr>
+          <p:cNvPr id="44" name="TextBox 43"/>
+          <p:cNvSpPr txBox="1"/>
+          <p:nvPr/>
+        </p:nvSpPr>
+        <p:spPr>
+          <a:xfrm>
+            <a:off x="9551416" y="5789188"/>
+            <a:ext cx="605226" cy="215444"/>
+          </a:xfrm>
+          <a:prstGeom prst="rect">
+            <a:avLst/>
+          </a:prstGeom>
+          <a:noFill/>
+        </p:spPr>
+        <p:txBody>
+          <a:bodyPr wrap="square" rtlCol="0">
+            <a:spAutoFit/>
+          </a:bodyPr>
+          <a:lstStyle/>
+          <a:p>
+            <a:r>
+              <a:rPr lang="ko-KR" altLang="en-US" sz="800" smtClean="0"/>
+              <a:t>견적문의</a:t>
+            </a:r>
+            <a:endParaRPr lang="ko-KR" altLang="en-US" sz="800" dirty="0"/>
+          </a:p>
+        </p:txBody>
+      </p:sp>
+      <p:sp>
+        <p:nvSpPr>
+          <p:cNvPr id="47" name="TextBox 46"/>
+          <p:cNvSpPr txBox="1"/>
+          <p:nvPr/>
+        </p:nvSpPr>
+        <p:spPr>
+          <a:xfrm>
+            <a:off x="10138156" y="5789188"/>
+            <a:ext cx="605226" cy="215444"/>
+          </a:xfrm>
+          <a:prstGeom prst="rect">
+            <a:avLst/>
+          </a:prstGeom>
+          <a:noFill/>
+        </p:spPr>
+        <p:txBody>
+          <a:bodyPr wrap="square" rtlCol="0">
+            <a:spAutoFit/>
+          </a:bodyPr>
+          <a:lstStyle/>
+          <a:p>
+            <a:r>
+              <a:rPr lang="ko-KR" altLang="en-US" sz="800" dirty="0" smtClean="0"/>
+              <a:t>견적문의</a:t>
+            </a:r>
+            <a:endParaRPr lang="ko-KR" altLang="en-US" sz="800" dirty="0"/>
+          </a:p>
+        </p:txBody>
+      </p:sp>
+      <p:sp>
+        <p:nvSpPr>
+          <p:cNvPr id="48" name="TextBox 47"/>
+          <p:cNvSpPr txBox="1"/>
+          <p:nvPr/>
+        </p:nvSpPr>
+        <p:spPr>
+          <a:xfrm>
+            <a:off x="10720578" y="5783400"/>
+            <a:ext cx="788807" cy="215444"/>
+          </a:xfrm>
+          <a:prstGeom prst="rect">
+            <a:avLst/>
+          </a:prstGeom>
+          <a:noFill/>
+        </p:spPr>
+        <p:txBody>
+          <a:bodyPr wrap="square" rtlCol="0">
+            <a:spAutoFit/>
+          </a:bodyPr>
+          <a:lstStyle/>
+          <a:p>
+            <a:r>
+              <a:rPr lang="ko-KR" altLang="en-US" sz="800" dirty="0" smtClean="0"/>
+              <a:t>고객센터</a:t>
+            </a:r>
+            <a:endParaRPr lang="ko-KR" altLang="en-US" sz="800" dirty="0"/>
+          </a:p>
+        </p:txBody>
+      </p:sp>
+      <p:sp>
+        <p:nvSpPr>
+          <p:cNvPr id="49" name="TextBox 48"/>
+          <p:cNvSpPr txBox="1"/>
+          <p:nvPr/>
+        </p:nvSpPr>
+        <p:spPr>
+          <a:xfrm>
+            <a:off x="8599852" y="2127256"/>
+            <a:ext cx="2091977" cy="369332"/>
+          </a:xfrm>
+          <a:prstGeom prst="rect">
+            <a:avLst/>
+          </a:prstGeom>
+          <a:noFill/>
+        </p:spPr>
+        <p:txBody>
+          <a:bodyPr wrap="square" rtlCol="0">
+            <a:spAutoFit/>
+          </a:bodyPr>
+          <a:lstStyle/>
+          <a:p>
+            <a:r>
+              <a:rPr lang="ko-KR" altLang="en-US" smtClean="0"/>
+              <a:t>조립컴퓨터</a:t>
+            </a:r>
+            <a:endParaRPr lang="ko-KR" altLang="en-US" dirty="0"/>
+          </a:p>
+        </p:txBody>
+      </p:sp>
     </p:spTree>
     <p:extLst>
       <p:ext uri="{BB962C8B-B14F-4D97-AF65-F5344CB8AC3E}">
@@ -19657,6 +20499,429 @@
           </a:p>
         </p:txBody>
       </p:sp>
+      <p:sp>
+        <p:nvSpPr>
+          <p:cNvPr id="56" name="TextBox 55"/>
+          <p:cNvSpPr txBox="1"/>
+          <p:nvPr/>
+        </p:nvSpPr>
+        <p:spPr>
+          <a:xfrm>
+            <a:off x="8670594" y="1738640"/>
+            <a:ext cx="473406" cy="246221"/>
+          </a:xfrm>
+          <a:prstGeom prst="rect">
+            <a:avLst/>
+          </a:prstGeom>
+          <a:noFill/>
+        </p:spPr>
+        <p:txBody>
+          <a:bodyPr wrap="square" rtlCol="0">
+            <a:spAutoFit/>
+          </a:bodyPr>
+          <a:lstStyle/>
+          <a:p>
+            <a:r>
+              <a:rPr lang="ko-KR" altLang="en-US" sz="1000" dirty="0"/>
+              <a:t>로고</a:t>
+            </a:r>
+          </a:p>
+        </p:txBody>
+      </p:sp>
+      <p:sp>
+        <p:nvSpPr>
+          <p:cNvPr id="57" name="TextBox 56"/>
+          <p:cNvSpPr txBox="1"/>
+          <p:nvPr/>
+        </p:nvSpPr>
+        <p:spPr>
+          <a:xfrm>
+            <a:off x="9211830" y="1738640"/>
+            <a:ext cx="2115470" cy="246221"/>
+          </a:xfrm>
+          <a:prstGeom prst="rect">
+            <a:avLst/>
+          </a:prstGeom>
+          <a:noFill/>
+        </p:spPr>
+        <p:txBody>
+          <a:bodyPr wrap="square" rtlCol="0">
+            <a:spAutoFit/>
+          </a:bodyPr>
+          <a:lstStyle/>
+          <a:p>
+            <a:pPr algn="r"/>
+            <a:r>
+              <a:rPr lang="ko-KR" altLang="en-US" sz="1000" dirty="0" smtClean="0"/>
+              <a:t>로그아웃 장바구니  </a:t>
+            </a:r>
+            <a:r>
+              <a:rPr lang="ko-KR" altLang="en-US" sz="1000" dirty="0" err="1" smtClean="0"/>
+              <a:t>마이페이지</a:t>
+            </a:r>
+            <a:endParaRPr lang="ko-KR" altLang="en-US" sz="1000" dirty="0"/>
+          </a:p>
+        </p:txBody>
+      </p:sp>
+      <p:cxnSp>
+        <p:nvCxnSpPr>
+          <p:cNvPr id="58" name="직선 연결선 57"/>
+          <p:cNvCxnSpPr/>
+          <p:nvPr/>
+        </p:nvCxnSpPr>
+        <p:spPr>
+          <a:xfrm>
+            <a:off x="8602764" y="1984861"/>
+            <a:ext cx="2811968" cy="0"/>
+          </a:xfrm>
+          <a:prstGeom prst="line">
+            <a:avLst/>
+          </a:prstGeom>
+          <a:ln>
+            <a:solidFill>
+              <a:schemeClr val="tx1"/>
+            </a:solidFill>
+          </a:ln>
+        </p:spPr>
+        <p:style>
+          <a:lnRef idx="1">
+            <a:schemeClr val="accent1"/>
+          </a:lnRef>
+          <a:fillRef idx="0">
+            <a:schemeClr val="accent1"/>
+          </a:fillRef>
+          <a:effectRef idx="0">
+            <a:schemeClr val="accent1"/>
+          </a:effectRef>
+          <a:fontRef idx="minor">
+            <a:schemeClr val="tx1"/>
+          </a:fontRef>
+        </p:style>
+      </p:cxnSp>
+      <p:sp>
+        <p:nvSpPr>
+          <p:cNvPr id="59" name="직사각형 58"/>
+          <p:cNvSpPr/>
+          <p:nvPr/>
+        </p:nvSpPr>
+        <p:spPr>
+          <a:xfrm>
+            <a:off x="8602764" y="5708822"/>
+            <a:ext cx="2811968" cy="378940"/>
+          </a:xfrm>
+          <a:prstGeom prst="rect">
+            <a:avLst/>
+          </a:prstGeom>
+          <a:solidFill>
+            <a:schemeClr val="bg1"/>
+          </a:solidFill>
+          <a:ln>
+            <a:solidFill>
+              <a:schemeClr val="tx1"/>
+            </a:solidFill>
+          </a:ln>
+        </p:spPr>
+        <p:style>
+          <a:lnRef idx="2">
+            <a:schemeClr val="accent1">
+              <a:shade val="50000"/>
+            </a:schemeClr>
+          </a:lnRef>
+          <a:fillRef idx="1">
+            <a:schemeClr val="accent1"/>
+          </a:fillRef>
+          <a:effectRef idx="0">
+            <a:schemeClr val="accent1"/>
+          </a:effectRef>
+          <a:fontRef idx="minor">
+            <a:schemeClr val="lt1"/>
+          </a:fontRef>
+        </p:style>
+        <p:txBody>
+          <a:bodyPr rtlCol="0" anchor="ctr"/>
+          <a:lstStyle/>
+          <a:p>
+            <a:pPr algn="ctr"/>
+            <a:endParaRPr lang="ko-KR" altLang="en-US"/>
+          </a:p>
+        </p:txBody>
+      </p:sp>
+      <p:sp>
+        <p:nvSpPr>
+          <p:cNvPr id="60" name="직사각형 59"/>
+          <p:cNvSpPr/>
+          <p:nvPr/>
+        </p:nvSpPr>
+        <p:spPr>
+          <a:xfrm>
+            <a:off x="8602764" y="5708822"/>
+            <a:ext cx="2811968" cy="378940"/>
+          </a:xfrm>
+          <a:prstGeom prst="rect">
+            <a:avLst/>
+          </a:prstGeom>
+          <a:solidFill>
+            <a:schemeClr val="bg1"/>
+          </a:solidFill>
+          <a:ln>
+            <a:solidFill>
+              <a:schemeClr val="tx1"/>
+            </a:solidFill>
+          </a:ln>
+        </p:spPr>
+        <p:style>
+          <a:lnRef idx="2">
+            <a:schemeClr val="accent1">
+              <a:shade val="50000"/>
+            </a:schemeClr>
+          </a:lnRef>
+          <a:fillRef idx="1">
+            <a:schemeClr val="accent1"/>
+          </a:fillRef>
+          <a:effectRef idx="0">
+            <a:schemeClr val="accent1"/>
+          </a:effectRef>
+          <a:fontRef idx="minor">
+            <a:schemeClr val="lt1"/>
+          </a:fontRef>
+        </p:style>
+        <p:txBody>
+          <a:bodyPr rtlCol="0" anchor="ctr"/>
+          <a:lstStyle/>
+          <a:p>
+            <a:pPr algn="ctr"/>
+            <a:endParaRPr lang="ko-KR" altLang="en-US"/>
+          </a:p>
+        </p:txBody>
+      </p:sp>
+      <p:sp>
+        <p:nvSpPr>
+          <p:cNvPr id="61" name="직사각형 60"/>
+          <p:cNvSpPr/>
+          <p:nvPr/>
+        </p:nvSpPr>
+        <p:spPr>
+          <a:xfrm>
+            <a:off x="8602764" y="5708822"/>
+            <a:ext cx="2811968" cy="378940"/>
+          </a:xfrm>
+          <a:prstGeom prst="rect">
+            <a:avLst/>
+          </a:prstGeom>
+          <a:solidFill>
+            <a:schemeClr val="bg1"/>
+          </a:solidFill>
+          <a:ln>
+            <a:solidFill>
+              <a:schemeClr val="tx1"/>
+            </a:solidFill>
+          </a:ln>
+        </p:spPr>
+        <p:style>
+          <a:lnRef idx="2">
+            <a:schemeClr val="accent1">
+              <a:shade val="50000"/>
+            </a:schemeClr>
+          </a:lnRef>
+          <a:fillRef idx="1">
+            <a:schemeClr val="accent1"/>
+          </a:fillRef>
+          <a:effectRef idx="0">
+            <a:schemeClr val="accent1"/>
+          </a:effectRef>
+          <a:fontRef idx="minor">
+            <a:schemeClr val="lt1"/>
+          </a:fontRef>
+        </p:style>
+        <p:txBody>
+          <a:bodyPr rtlCol="0" anchor="ctr"/>
+          <a:lstStyle/>
+          <a:p>
+            <a:pPr algn="ctr"/>
+            <a:endParaRPr lang="ko-KR" altLang="en-US"/>
+          </a:p>
+        </p:txBody>
+      </p:sp>
+      <p:sp>
+        <p:nvSpPr>
+          <p:cNvPr id="62" name="TextBox 61"/>
+          <p:cNvSpPr txBox="1"/>
+          <p:nvPr/>
+        </p:nvSpPr>
+        <p:spPr>
+          <a:xfrm>
+            <a:off x="8649280" y="5790570"/>
+            <a:ext cx="520388" cy="215444"/>
+          </a:xfrm>
+          <a:prstGeom prst="rect">
+            <a:avLst/>
+          </a:prstGeom>
+          <a:noFill/>
+        </p:spPr>
+        <p:txBody>
+          <a:bodyPr wrap="square" rtlCol="0">
+            <a:spAutoFit/>
+          </a:bodyPr>
+          <a:lstStyle/>
+          <a:p>
+            <a:r>
+              <a:rPr lang="ko-KR" altLang="en-US" sz="800" dirty="0" err="1" smtClean="0"/>
+              <a:t>조립컴</a:t>
+            </a:r>
+            <a:endParaRPr lang="ko-KR" altLang="en-US" sz="800" dirty="0"/>
+          </a:p>
+        </p:txBody>
+      </p:sp>
+      <p:sp>
+        <p:nvSpPr>
+          <p:cNvPr id="63" name="TextBox 62"/>
+          <p:cNvSpPr txBox="1"/>
+          <p:nvPr/>
+        </p:nvSpPr>
+        <p:spPr>
+          <a:xfrm>
+            <a:off x="9122955" y="5790570"/>
+            <a:ext cx="520388" cy="215444"/>
+          </a:xfrm>
+          <a:prstGeom prst="rect">
+            <a:avLst/>
+          </a:prstGeom>
+          <a:noFill/>
+        </p:spPr>
+        <p:txBody>
+          <a:bodyPr wrap="square" rtlCol="0">
+            <a:spAutoFit/>
+          </a:bodyPr>
+          <a:lstStyle/>
+          <a:p>
+            <a:r>
+              <a:rPr lang="ko-KR" altLang="en-US" sz="800" dirty="0" smtClean="0"/>
+              <a:t>부품</a:t>
+            </a:r>
+            <a:endParaRPr lang="ko-KR" altLang="en-US" sz="800" dirty="0"/>
+          </a:p>
+        </p:txBody>
+      </p:sp>
+      <p:sp>
+        <p:nvSpPr>
+          <p:cNvPr id="64" name="TextBox 63"/>
+          <p:cNvSpPr txBox="1"/>
+          <p:nvPr/>
+        </p:nvSpPr>
+        <p:spPr>
+          <a:xfrm>
+            <a:off x="9551416" y="5789188"/>
+            <a:ext cx="605226" cy="215444"/>
+          </a:xfrm>
+          <a:prstGeom prst="rect">
+            <a:avLst/>
+          </a:prstGeom>
+          <a:noFill/>
+        </p:spPr>
+        <p:txBody>
+          <a:bodyPr wrap="square" rtlCol="0">
+            <a:spAutoFit/>
+          </a:bodyPr>
+          <a:lstStyle/>
+          <a:p>
+            <a:r>
+              <a:rPr lang="ko-KR" altLang="en-US" sz="800" smtClean="0"/>
+              <a:t>견적문의</a:t>
+            </a:r>
+            <a:endParaRPr lang="ko-KR" altLang="en-US" sz="800" dirty="0"/>
+          </a:p>
+        </p:txBody>
+      </p:sp>
+      <p:sp>
+        <p:nvSpPr>
+          <p:cNvPr id="65" name="TextBox 64"/>
+          <p:cNvSpPr txBox="1"/>
+          <p:nvPr/>
+        </p:nvSpPr>
+        <p:spPr>
+          <a:xfrm>
+            <a:off x="10138156" y="5789188"/>
+            <a:ext cx="605226" cy="215444"/>
+          </a:xfrm>
+          <a:prstGeom prst="rect">
+            <a:avLst/>
+          </a:prstGeom>
+          <a:noFill/>
+        </p:spPr>
+        <p:txBody>
+          <a:bodyPr wrap="square" rtlCol="0">
+            <a:spAutoFit/>
+          </a:bodyPr>
+          <a:lstStyle/>
+          <a:p>
+            <a:r>
+              <a:rPr lang="ko-KR" altLang="en-US" sz="800" dirty="0" smtClean="0"/>
+              <a:t>견적문의</a:t>
+            </a:r>
+            <a:endParaRPr lang="ko-KR" altLang="en-US" sz="800" dirty="0"/>
+          </a:p>
+        </p:txBody>
+      </p:sp>
+      <p:sp>
+        <p:nvSpPr>
+          <p:cNvPr id="66" name="TextBox 65"/>
+          <p:cNvSpPr txBox="1"/>
+          <p:nvPr/>
+        </p:nvSpPr>
+        <p:spPr>
+          <a:xfrm>
+            <a:off x="10720578" y="5783400"/>
+            <a:ext cx="788807" cy="215444"/>
+          </a:xfrm>
+          <a:prstGeom prst="rect">
+            <a:avLst/>
+          </a:prstGeom>
+          <a:noFill/>
+        </p:spPr>
+        <p:txBody>
+          <a:bodyPr wrap="square" rtlCol="0">
+            <a:spAutoFit/>
+          </a:bodyPr>
+          <a:lstStyle/>
+          <a:p>
+            <a:r>
+              <a:rPr lang="ko-KR" altLang="en-US" sz="800" dirty="0" smtClean="0"/>
+              <a:t>고객센터</a:t>
+            </a:r>
+            <a:endParaRPr lang="ko-KR" altLang="en-US" sz="800" dirty="0"/>
+          </a:p>
+        </p:txBody>
+      </p:sp>
+      <p:sp>
+        <p:nvSpPr>
+          <p:cNvPr id="67" name="TextBox 66"/>
+          <p:cNvSpPr txBox="1"/>
+          <p:nvPr/>
+        </p:nvSpPr>
+        <p:spPr>
+          <a:xfrm>
+            <a:off x="8599852" y="2127256"/>
+            <a:ext cx="2091977" cy="369332"/>
+          </a:xfrm>
+          <a:prstGeom prst="rect">
+            <a:avLst/>
+          </a:prstGeom>
+          <a:noFill/>
+        </p:spPr>
+        <p:txBody>
+          <a:bodyPr wrap="square" rtlCol="0">
+            <a:spAutoFit/>
+          </a:bodyPr>
+          <a:lstStyle/>
+          <a:p>
+            <a:r>
+              <a:rPr lang="ko-KR" altLang="en-US" smtClean="0"/>
+              <a:t>컴퓨터부품</a:t>
+            </a:r>
+            <a:endParaRPr lang="ko-KR" altLang="en-US" dirty="0"/>
+          </a:p>
+        </p:txBody>
+      </p:sp>
     </p:spTree>
     <p:extLst>
       <p:ext uri="{BB962C8B-B14F-4D97-AF65-F5344CB8AC3E}">
@@ -21516,6 +22781,429 @@
           </a:p>
         </p:txBody>
       </p:sp>
+      <p:sp>
+        <p:nvSpPr>
+          <p:cNvPr id="32" name="TextBox 31"/>
+          <p:cNvSpPr txBox="1"/>
+          <p:nvPr/>
+        </p:nvSpPr>
+        <p:spPr>
+          <a:xfrm>
+            <a:off x="8670594" y="1738640"/>
+            <a:ext cx="473406" cy="246221"/>
+          </a:xfrm>
+          <a:prstGeom prst="rect">
+            <a:avLst/>
+          </a:prstGeom>
+          <a:noFill/>
+        </p:spPr>
+        <p:txBody>
+          <a:bodyPr wrap="square" rtlCol="0">
+            <a:spAutoFit/>
+          </a:bodyPr>
+          <a:lstStyle/>
+          <a:p>
+            <a:r>
+              <a:rPr lang="ko-KR" altLang="en-US" sz="1000" dirty="0"/>
+              <a:t>로고</a:t>
+            </a:r>
+          </a:p>
+        </p:txBody>
+      </p:sp>
+      <p:sp>
+        <p:nvSpPr>
+          <p:cNvPr id="37" name="TextBox 36"/>
+          <p:cNvSpPr txBox="1"/>
+          <p:nvPr/>
+        </p:nvSpPr>
+        <p:spPr>
+          <a:xfrm>
+            <a:off x="9211830" y="1738640"/>
+            <a:ext cx="2115470" cy="246221"/>
+          </a:xfrm>
+          <a:prstGeom prst="rect">
+            <a:avLst/>
+          </a:prstGeom>
+          <a:noFill/>
+        </p:spPr>
+        <p:txBody>
+          <a:bodyPr wrap="square" rtlCol="0">
+            <a:spAutoFit/>
+          </a:bodyPr>
+          <a:lstStyle/>
+          <a:p>
+            <a:pPr algn="r"/>
+            <a:r>
+              <a:rPr lang="ko-KR" altLang="en-US" sz="1000" dirty="0" smtClean="0"/>
+              <a:t>로그아웃 장바구니  </a:t>
+            </a:r>
+            <a:r>
+              <a:rPr lang="ko-KR" altLang="en-US" sz="1000" dirty="0" err="1" smtClean="0"/>
+              <a:t>마이페이지</a:t>
+            </a:r>
+            <a:endParaRPr lang="ko-KR" altLang="en-US" sz="1000" dirty="0"/>
+          </a:p>
+        </p:txBody>
+      </p:sp>
+      <p:cxnSp>
+        <p:nvCxnSpPr>
+          <p:cNvPr id="38" name="직선 연결선 37"/>
+          <p:cNvCxnSpPr/>
+          <p:nvPr/>
+        </p:nvCxnSpPr>
+        <p:spPr>
+          <a:xfrm>
+            <a:off x="8602764" y="1984861"/>
+            <a:ext cx="2811968" cy="0"/>
+          </a:xfrm>
+          <a:prstGeom prst="line">
+            <a:avLst/>
+          </a:prstGeom>
+          <a:ln>
+            <a:solidFill>
+              <a:schemeClr val="tx1"/>
+            </a:solidFill>
+          </a:ln>
+        </p:spPr>
+        <p:style>
+          <a:lnRef idx="1">
+            <a:schemeClr val="accent1"/>
+          </a:lnRef>
+          <a:fillRef idx="0">
+            <a:schemeClr val="accent1"/>
+          </a:fillRef>
+          <a:effectRef idx="0">
+            <a:schemeClr val="accent1"/>
+          </a:effectRef>
+          <a:fontRef idx="minor">
+            <a:schemeClr val="tx1"/>
+          </a:fontRef>
+        </p:style>
+      </p:cxnSp>
+      <p:sp>
+        <p:nvSpPr>
+          <p:cNvPr id="39" name="직사각형 38"/>
+          <p:cNvSpPr/>
+          <p:nvPr/>
+        </p:nvSpPr>
+        <p:spPr>
+          <a:xfrm>
+            <a:off x="8602764" y="5708822"/>
+            <a:ext cx="2811968" cy="378940"/>
+          </a:xfrm>
+          <a:prstGeom prst="rect">
+            <a:avLst/>
+          </a:prstGeom>
+          <a:solidFill>
+            <a:schemeClr val="bg1"/>
+          </a:solidFill>
+          <a:ln>
+            <a:solidFill>
+              <a:schemeClr val="tx1"/>
+            </a:solidFill>
+          </a:ln>
+        </p:spPr>
+        <p:style>
+          <a:lnRef idx="2">
+            <a:schemeClr val="accent1">
+              <a:shade val="50000"/>
+            </a:schemeClr>
+          </a:lnRef>
+          <a:fillRef idx="1">
+            <a:schemeClr val="accent1"/>
+          </a:fillRef>
+          <a:effectRef idx="0">
+            <a:schemeClr val="accent1"/>
+          </a:effectRef>
+          <a:fontRef idx="minor">
+            <a:schemeClr val="lt1"/>
+          </a:fontRef>
+        </p:style>
+        <p:txBody>
+          <a:bodyPr rtlCol="0" anchor="ctr"/>
+          <a:lstStyle/>
+          <a:p>
+            <a:pPr algn="ctr"/>
+            <a:endParaRPr lang="ko-KR" altLang="en-US"/>
+          </a:p>
+        </p:txBody>
+      </p:sp>
+      <p:sp>
+        <p:nvSpPr>
+          <p:cNvPr id="40" name="직사각형 39"/>
+          <p:cNvSpPr/>
+          <p:nvPr/>
+        </p:nvSpPr>
+        <p:spPr>
+          <a:xfrm>
+            <a:off x="8602764" y="5708822"/>
+            <a:ext cx="2811968" cy="378940"/>
+          </a:xfrm>
+          <a:prstGeom prst="rect">
+            <a:avLst/>
+          </a:prstGeom>
+          <a:solidFill>
+            <a:schemeClr val="bg1"/>
+          </a:solidFill>
+          <a:ln>
+            <a:solidFill>
+              <a:schemeClr val="tx1"/>
+            </a:solidFill>
+          </a:ln>
+        </p:spPr>
+        <p:style>
+          <a:lnRef idx="2">
+            <a:schemeClr val="accent1">
+              <a:shade val="50000"/>
+            </a:schemeClr>
+          </a:lnRef>
+          <a:fillRef idx="1">
+            <a:schemeClr val="accent1"/>
+          </a:fillRef>
+          <a:effectRef idx="0">
+            <a:schemeClr val="accent1"/>
+          </a:effectRef>
+          <a:fontRef idx="minor">
+            <a:schemeClr val="lt1"/>
+          </a:fontRef>
+        </p:style>
+        <p:txBody>
+          <a:bodyPr rtlCol="0" anchor="ctr"/>
+          <a:lstStyle/>
+          <a:p>
+            <a:pPr algn="ctr"/>
+            <a:endParaRPr lang="ko-KR" altLang="en-US"/>
+          </a:p>
+        </p:txBody>
+      </p:sp>
+      <p:sp>
+        <p:nvSpPr>
+          <p:cNvPr id="41" name="직사각형 40"/>
+          <p:cNvSpPr/>
+          <p:nvPr/>
+        </p:nvSpPr>
+        <p:spPr>
+          <a:xfrm>
+            <a:off x="8602764" y="5708822"/>
+            <a:ext cx="2811968" cy="378940"/>
+          </a:xfrm>
+          <a:prstGeom prst="rect">
+            <a:avLst/>
+          </a:prstGeom>
+          <a:solidFill>
+            <a:schemeClr val="bg1"/>
+          </a:solidFill>
+          <a:ln>
+            <a:solidFill>
+              <a:schemeClr val="tx1"/>
+            </a:solidFill>
+          </a:ln>
+        </p:spPr>
+        <p:style>
+          <a:lnRef idx="2">
+            <a:schemeClr val="accent1">
+              <a:shade val="50000"/>
+            </a:schemeClr>
+          </a:lnRef>
+          <a:fillRef idx="1">
+            <a:schemeClr val="accent1"/>
+          </a:fillRef>
+          <a:effectRef idx="0">
+            <a:schemeClr val="accent1"/>
+          </a:effectRef>
+          <a:fontRef idx="minor">
+            <a:schemeClr val="lt1"/>
+          </a:fontRef>
+        </p:style>
+        <p:txBody>
+          <a:bodyPr rtlCol="0" anchor="ctr"/>
+          <a:lstStyle/>
+          <a:p>
+            <a:pPr algn="ctr"/>
+            <a:endParaRPr lang="ko-KR" altLang="en-US"/>
+          </a:p>
+        </p:txBody>
+      </p:sp>
+      <p:sp>
+        <p:nvSpPr>
+          <p:cNvPr id="42" name="TextBox 41"/>
+          <p:cNvSpPr txBox="1"/>
+          <p:nvPr/>
+        </p:nvSpPr>
+        <p:spPr>
+          <a:xfrm>
+            <a:off x="8649280" y="5790570"/>
+            <a:ext cx="520388" cy="215444"/>
+          </a:xfrm>
+          <a:prstGeom prst="rect">
+            <a:avLst/>
+          </a:prstGeom>
+          <a:noFill/>
+        </p:spPr>
+        <p:txBody>
+          <a:bodyPr wrap="square" rtlCol="0">
+            <a:spAutoFit/>
+          </a:bodyPr>
+          <a:lstStyle/>
+          <a:p>
+            <a:r>
+              <a:rPr lang="ko-KR" altLang="en-US" sz="800" dirty="0" err="1" smtClean="0"/>
+              <a:t>조립컴</a:t>
+            </a:r>
+            <a:endParaRPr lang="ko-KR" altLang="en-US" sz="800" dirty="0"/>
+          </a:p>
+        </p:txBody>
+      </p:sp>
+      <p:sp>
+        <p:nvSpPr>
+          <p:cNvPr id="43" name="TextBox 42"/>
+          <p:cNvSpPr txBox="1"/>
+          <p:nvPr/>
+        </p:nvSpPr>
+        <p:spPr>
+          <a:xfrm>
+            <a:off x="9122955" y="5790570"/>
+            <a:ext cx="520388" cy="215444"/>
+          </a:xfrm>
+          <a:prstGeom prst="rect">
+            <a:avLst/>
+          </a:prstGeom>
+          <a:noFill/>
+        </p:spPr>
+        <p:txBody>
+          <a:bodyPr wrap="square" rtlCol="0">
+            <a:spAutoFit/>
+          </a:bodyPr>
+          <a:lstStyle/>
+          <a:p>
+            <a:r>
+              <a:rPr lang="ko-KR" altLang="en-US" sz="800" dirty="0" smtClean="0"/>
+              <a:t>부품</a:t>
+            </a:r>
+            <a:endParaRPr lang="ko-KR" altLang="en-US" sz="800" dirty="0"/>
+          </a:p>
+        </p:txBody>
+      </p:sp>
+      <p:sp>
+        <p:nvSpPr>
+          <p:cNvPr id="44" name="TextBox 43"/>
+          <p:cNvSpPr txBox="1"/>
+          <p:nvPr/>
+        </p:nvSpPr>
+        <p:spPr>
+          <a:xfrm>
+            <a:off x="9551416" y="5789188"/>
+            <a:ext cx="605226" cy="215444"/>
+          </a:xfrm>
+          <a:prstGeom prst="rect">
+            <a:avLst/>
+          </a:prstGeom>
+          <a:noFill/>
+        </p:spPr>
+        <p:txBody>
+          <a:bodyPr wrap="square" rtlCol="0">
+            <a:spAutoFit/>
+          </a:bodyPr>
+          <a:lstStyle/>
+          <a:p>
+            <a:r>
+              <a:rPr lang="ko-KR" altLang="en-US" sz="800" smtClean="0"/>
+              <a:t>견적문의</a:t>
+            </a:r>
+            <a:endParaRPr lang="ko-KR" altLang="en-US" sz="800" dirty="0"/>
+          </a:p>
+        </p:txBody>
+      </p:sp>
+      <p:sp>
+        <p:nvSpPr>
+          <p:cNvPr id="46" name="TextBox 45"/>
+          <p:cNvSpPr txBox="1"/>
+          <p:nvPr/>
+        </p:nvSpPr>
+        <p:spPr>
+          <a:xfrm>
+            <a:off x="10138156" y="5789188"/>
+            <a:ext cx="605226" cy="215444"/>
+          </a:xfrm>
+          <a:prstGeom prst="rect">
+            <a:avLst/>
+          </a:prstGeom>
+          <a:noFill/>
+        </p:spPr>
+        <p:txBody>
+          <a:bodyPr wrap="square" rtlCol="0">
+            <a:spAutoFit/>
+          </a:bodyPr>
+          <a:lstStyle/>
+          <a:p>
+            <a:r>
+              <a:rPr lang="ko-KR" altLang="en-US" sz="800" dirty="0" smtClean="0"/>
+              <a:t>견적문의</a:t>
+            </a:r>
+            <a:endParaRPr lang="ko-KR" altLang="en-US" sz="800" dirty="0"/>
+          </a:p>
+        </p:txBody>
+      </p:sp>
+      <p:sp>
+        <p:nvSpPr>
+          <p:cNvPr id="47" name="TextBox 46"/>
+          <p:cNvSpPr txBox="1"/>
+          <p:nvPr/>
+        </p:nvSpPr>
+        <p:spPr>
+          <a:xfrm>
+            <a:off x="10720578" y="5783400"/>
+            <a:ext cx="788807" cy="215444"/>
+          </a:xfrm>
+          <a:prstGeom prst="rect">
+            <a:avLst/>
+          </a:prstGeom>
+          <a:noFill/>
+        </p:spPr>
+        <p:txBody>
+          <a:bodyPr wrap="square" rtlCol="0">
+            <a:spAutoFit/>
+          </a:bodyPr>
+          <a:lstStyle/>
+          <a:p>
+            <a:r>
+              <a:rPr lang="ko-KR" altLang="en-US" sz="800" dirty="0" smtClean="0"/>
+              <a:t>고객센터</a:t>
+            </a:r>
+            <a:endParaRPr lang="ko-KR" altLang="en-US" sz="800" dirty="0"/>
+          </a:p>
+        </p:txBody>
+      </p:sp>
+      <p:sp>
+        <p:nvSpPr>
+          <p:cNvPr id="48" name="TextBox 47"/>
+          <p:cNvSpPr txBox="1"/>
+          <p:nvPr/>
+        </p:nvSpPr>
+        <p:spPr>
+          <a:xfrm>
+            <a:off x="8599852" y="2127256"/>
+            <a:ext cx="2091977" cy="369332"/>
+          </a:xfrm>
+          <a:prstGeom prst="rect">
+            <a:avLst/>
+          </a:prstGeom>
+          <a:noFill/>
+        </p:spPr>
+        <p:txBody>
+          <a:bodyPr wrap="square" rtlCol="0">
+            <a:spAutoFit/>
+          </a:bodyPr>
+          <a:lstStyle/>
+          <a:p>
+            <a:r>
+              <a:rPr lang="ko-KR" altLang="en-US" smtClean="0"/>
+              <a:t>컴퓨터부품</a:t>
+            </a:r>
+            <a:endParaRPr lang="ko-KR" altLang="en-US" dirty="0"/>
+          </a:p>
+        </p:txBody>
+      </p:sp>
     </p:spTree>
     <p:extLst>
       <p:ext uri="{BB962C8B-B14F-4D97-AF65-F5344CB8AC3E}">
@@ -22464,11 +24152,7 @@
           <a:p>
             <a:r>
               <a:rPr lang="ko-KR" altLang="en-US" smtClean="0"/>
-              <a:t>관리자 </a:t>
-            </a:r>
-            <a:r>
-              <a:rPr lang="ko-KR" altLang="en-US" smtClean="0"/>
-              <a:t>페이지 </a:t>
+              <a:t>관리자 페이지 </a:t>
             </a:r>
             <a:r>
               <a:rPr lang="en-US" altLang="ko-KR"/>
@@ -23862,7 +25546,7 @@
           <p:cNvPr id="16" name="그룹 15">
             <a:extLst>
               <a:ext uri="{FF2B5EF4-FFF2-40B4-BE49-F238E27FC236}">
-                <a16:creationId xmlns="" xmlns:a16="http://schemas.microsoft.com/office/drawing/2014/main" id="{1592706D-EFAE-4144-BFA1-6735E09271FD}"/>
+                <a16:creationId xmlns:a16="http://schemas.microsoft.com/office/drawing/2014/main" xmlns="" id="{1592706D-EFAE-4144-BFA1-6735E09271FD}"/>
               </a:ext>
             </a:extLst>
           </p:cNvPr>
@@ -23882,7 +25566,7 @@
             <p:cNvPr id="17" name="양쪽 모서리가 둥근 사각형 5">
               <a:extLst>
                 <a:ext uri="{FF2B5EF4-FFF2-40B4-BE49-F238E27FC236}">
-                  <a16:creationId xmlns="" xmlns:a16="http://schemas.microsoft.com/office/drawing/2014/main" id="{8078EBE2-80A2-4C73-B338-3BF0725D8C61}"/>
+                  <a16:creationId xmlns:a16="http://schemas.microsoft.com/office/drawing/2014/main" xmlns="" id="{8078EBE2-80A2-4C73-B338-3BF0725D8C61}"/>
                 </a:ext>
               </a:extLst>
             </p:cNvPr>
@@ -24048,7 +25732,7 @@
             <p:cNvPr id="18" name="양쪽 모서리가 둥근 사각형 4">
               <a:extLst>
                 <a:ext uri="{FF2B5EF4-FFF2-40B4-BE49-F238E27FC236}">
-                  <a16:creationId xmlns="" xmlns:a16="http://schemas.microsoft.com/office/drawing/2014/main" id="{39BAB469-719B-4B91-8479-8CE11BC8E6B9}"/>
+                  <a16:creationId xmlns:a16="http://schemas.microsoft.com/office/drawing/2014/main" xmlns="" id="{39BAB469-719B-4B91-8479-8CE11BC8E6B9}"/>
                 </a:ext>
               </a:extLst>
             </p:cNvPr>
@@ -24114,7 +25798,7 @@
             <p:cNvPr id="19" name="직사각형 18">
               <a:extLst>
                 <a:ext uri="{FF2B5EF4-FFF2-40B4-BE49-F238E27FC236}">
-                  <a16:creationId xmlns="" xmlns:a16="http://schemas.microsoft.com/office/drawing/2014/main" id="{39F1B524-4CC7-4E30-816B-3723A5813198}"/>
+                  <a16:creationId xmlns:a16="http://schemas.microsoft.com/office/drawing/2014/main" xmlns="" id="{39F1B524-4CC7-4E30-816B-3723A5813198}"/>
                 </a:ext>
               </a:extLst>
             </p:cNvPr>
@@ -24170,7 +25854,7 @@
             <p:cNvPr id="20" name="타원 19">
               <a:extLst>
                 <a:ext uri="{FF2B5EF4-FFF2-40B4-BE49-F238E27FC236}">
-                  <a16:creationId xmlns="" xmlns:a16="http://schemas.microsoft.com/office/drawing/2014/main" id="{9F7C7939-334C-4B6E-8334-1DAF6166C2BD}"/>
+                  <a16:creationId xmlns:a16="http://schemas.microsoft.com/office/drawing/2014/main" xmlns="" id="{9F7C7939-334C-4B6E-8334-1DAF6166C2BD}"/>
                 </a:ext>
               </a:extLst>
             </p:cNvPr>
@@ -24226,7 +25910,7 @@
             <p:cNvPr id="21" name="타원 20">
               <a:extLst>
                 <a:ext uri="{FF2B5EF4-FFF2-40B4-BE49-F238E27FC236}">
-                  <a16:creationId xmlns="" xmlns:a16="http://schemas.microsoft.com/office/drawing/2014/main" id="{3ACF8C7F-31C0-4E48-9500-11CA0520BEC1}"/>
+                  <a16:creationId xmlns:a16="http://schemas.microsoft.com/office/drawing/2014/main" xmlns="" id="{3ACF8C7F-31C0-4E48-9500-11CA0520BEC1}"/>
                 </a:ext>
               </a:extLst>
             </p:cNvPr>
@@ -24282,7 +25966,7 @@
             <p:cNvPr id="22" name="타원 21">
               <a:extLst>
                 <a:ext uri="{FF2B5EF4-FFF2-40B4-BE49-F238E27FC236}">
-                  <a16:creationId xmlns="" xmlns:a16="http://schemas.microsoft.com/office/drawing/2014/main" id="{CDF524C5-87D1-45D8-B459-FDB2C64EC2DD}"/>
+                  <a16:creationId xmlns:a16="http://schemas.microsoft.com/office/drawing/2014/main" xmlns="" id="{CDF524C5-87D1-45D8-B459-FDB2C64EC2DD}"/>
                 </a:ext>
               </a:extLst>
             </p:cNvPr>
@@ -27096,11 +28780,7 @@
           <a:p>
             <a:r>
               <a:rPr lang="ko-KR" altLang="en-US" smtClean="0"/>
-              <a:t>관리자 </a:t>
-            </a:r>
-            <a:r>
-              <a:rPr lang="ko-KR" altLang="en-US" smtClean="0"/>
-              <a:t>페이지 </a:t>
+              <a:t>관리자 페이지 </a:t>
             </a:r>
             <a:r>
               <a:rPr lang="en-US" altLang="ko-KR"/>
@@ -29266,11 +30946,7 @@
           <a:p>
             <a:r>
               <a:rPr lang="ko-KR" altLang="en-US" smtClean="0"/>
-              <a:t>관리자 </a:t>
-            </a:r>
-            <a:r>
-              <a:rPr lang="ko-KR" altLang="en-US" smtClean="0"/>
-              <a:t>페이지 </a:t>
+              <a:t>관리자 페이지 </a:t>
             </a:r>
             <a:r>
               <a:rPr lang="en-US" altLang="ko-KR"/>
@@ -30948,15 +32624,7 @@
                   <a:schemeClr val="tx1"/>
                 </a:solidFill>
               </a:rPr>
-              <a:t>상품 </a:t>
-            </a:r>
-            <a:r>
-              <a:rPr lang="ko-KR" altLang="en-US" smtClean="0">
-                <a:solidFill>
-                  <a:schemeClr val="tx1"/>
-                </a:solidFill>
-              </a:rPr>
-              <a:t>상세</a:t>
+              <a:t>상품 상세</a:t>
             </a:r>
             <a:endParaRPr lang="ko-KR" altLang="en-US">
               <a:solidFill>
@@ -32004,11 +33672,7 @@
           <a:p>
             <a:r>
               <a:rPr lang="ko-KR" altLang="en-US" smtClean="0"/>
-              <a:t>관리자 </a:t>
-            </a:r>
-            <a:r>
-              <a:rPr lang="ko-KR" altLang="en-US" smtClean="0"/>
-              <a:t>페이지 </a:t>
+              <a:t>관리자 페이지 </a:t>
             </a:r>
             <a:r>
               <a:rPr lang="en-US" altLang="ko-KR"/>
@@ -34180,11 +35844,7 @@
           <a:p>
             <a:r>
               <a:rPr lang="ko-KR" altLang="en-US" smtClean="0"/>
-              <a:t>관리자 </a:t>
-            </a:r>
-            <a:r>
-              <a:rPr lang="ko-KR" altLang="en-US" smtClean="0"/>
-              <a:t>페이지 </a:t>
+              <a:t>관리자 페이지 </a:t>
             </a:r>
             <a:r>
               <a:rPr lang="en-US" altLang="ko-KR"/>
@@ -45642,7 +47302,7 @@
   <a:extraClrSchemeLst/>
   <a:extLst>
     <a:ext uri="{05A4C25C-085E-4340-85A3-A5531E510DB2}">
-      <thm15:themeFamily xmlns:thm15="http://schemas.microsoft.com/office/thememl/2012/main" xmlns="" name="Office Theme" id="{62F939B6-93AF-4DB8-9C6B-D6C7DFDC589F}" vid="{4A3C46E8-61CC-4603-A589-7422A47A8E4A}"/>
+      <thm15:themeFamily xmlns="" xmlns:thm15="http://schemas.microsoft.com/office/thememl/2012/main" name="Office Theme" id="{62F939B6-93AF-4DB8-9C6B-D6C7DFDC589F}" vid="{4A3C46E8-61CC-4603-A589-7422A47A8E4A}"/>
     </a:ext>
   </a:extLst>
 </a:theme>
